--- a/doc/mirroring-strategy-2.pptx
+++ b/doc/mirroring-strategy-2.pptx
@@ -420,7 +420,7 @@
           <a:p>
             <a:fld id="{78ABE3C1-DBE1-495D-B57B-2849774B866A}" type="datetimeFigureOut">
               <a:rPr lang="en-US" dirty="0"/>
-              <a:t>30-01-19</a:t>
+              <a:t>31-01-19</a:t>
             </a:fld>
             <a:endParaRPr lang="en-US" dirty="0"/>
           </a:p>
@@ -829,7 +829,7 @@
           <a:p>
             <a:fld id="{446C117F-5CCF-4837-BE5F-2B92066CAFAF}" type="datetimeFigureOut">
               <a:rPr lang="en-US" dirty="0"/>
-              <a:t>30-01-19</a:t>
+              <a:t>31-01-19</a:t>
             </a:fld>
             <a:endParaRPr lang="en-US" dirty="0"/>
           </a:p>
@@ -1160,7 +1160,7 @@
           <a:p>
             <a:fld id="{84EB90BD-B6CE-46B7-997F-7313B992CCDC}" type="datetimeFigureOut">
               <a:rPr lang="en-US" dirty="0"/>
-              <a:t>30-01-19</a:t>
+              <a:t>31-01-19</a:t>
             </a:fld>
             <a:endParaRPr lang="en-US" dirty="0"/>
           </a:p>
@@ -1560,7 +1560,7 @@
           <a:p>
             <a:fld id="{CDB9D11F-B188-461D-B23F-39381795C052}" type="datetimeFigureOut">
               <a:rPr lang="en-US" dirty="0"/>
-              <a:t>30-01-19</a:t>
+              <a:t>31-01-19</a:t>
             </a:fld>
             <a:endParaRPr lang="en-US" dirty="0"/>
           </a:p>
@@ -2123,7 +2123,7 @@
           <a:p>
             <a:fld id="{52E6D8D9-55A2-4063-B0F3-121F44549695}" type="datetimeFigureOut">
               <a:rPr lang="en-US" dirty="0"/>
-              <a:t>30-01-19</a:t>
+              <a:t>31-01-19</a:t>
             </a:fld>
             <a:endParaRPr lang="en-US" dirty="0"/>
           </a:p>
@@ -2799,7 +2799,7 @@
           <a:p>
             <a:fld id="{D4B24536-994D-4021-A283-9F449C0DB509}" type="datetimeFigureOut">
               <a:rPr lang="en-US" dirty="0"/>
-              <a:t>30-01-19</a:t>
+              <a:t>31-01-19</a:t>
             </a:fld>
             <a:endParaRPr lang="en-US" dirty="0"/>
           </a:p>
@@ -3707,7 +3707,7 @@
           <a:p>
             <a:fld id="{3CBBBB78-C96F-47B7-AB17-D852CA960AC9}" type="datetimeFigureOut">
               <a:rPr lang="en-US" dirty="0"/>
-              <a:t>30-01-19</a:t>
+              <a:t>31-01-19</a:t>
             </a:fld>
             <a:endParaRPr lang="en-US" dirty="0"/>
           </a:p>
@@ -4015,7 +4015,7 @@
           <a:p>
             <a:fld id="{1FA3F48C-C7C6-4055-9F49-3777875E72AE}" type="datetimeFigureOut">
               <a:rPr lang="en-US" dirty="0"/>
-              <a:t>30-01-19</a:t>
+              <a:t>31-01-19</a:t>
             </a:fld>
             <a:endParaRPr lang="en-US" dirty="0"/>
           </a:p>
@@ -4274,7 +4274,7 @@
           <a:p>
             <a:fld id="{6178E61D-D431-422C-9764-11DAFE33AB63}" type="datetimeFigureOut">
               <a:rPr lang="en-US" dirty="0"/>
-              <a:t>30-01-19</a:t>
+              <a:t>31-01-19</a:t>
             </a:fld>
             <a:endParaRPr lang="en-US" dirty="0"/>
           </a:p>
@@ -4593,7 +4593,7 @@
           <a:p>
             <a:fld id="{12DE42F4-6EEF-4EF7-8ED4-2208F0F89A08}" type="datetimeFigureOut">
               <a:rPr lang="en-US" dirty="0"/>
-              <a:t>30-01-19</a:t>
+              <a:t>31-01-19</a:t>
             </a:fld>
             <a:endParaRPr lang="en-US" dirty="0"/>
           </a:p>
@@ -4977,7 +4977,7 @@
           <a:p>
             <a:fld id="{30578ACC-22D6-47C1-A373-4FD133E34F3C}" type="datetimeFigureOut">
               <a:rPr lang="en-US" dirty="0"/>
-              <a:t>30-01-19</a:t>
+              <a:t>31-01-19</a:t>
             </a:fld>
             <a:endParaRPr lang="en-US" dirty="0"/>
           </a:p>
@@ -5348,7 +5348,7 @@
           <a:p>
             <a:fld id="{4E5A6C69-6797-4E8A-BF37-F2C3751466E9}" type="datetimeFigureOut">
               <a:rPr lang="en-US" dirty="0"/>
-              <a:t>30-01-19</a:t>
+              <a:t>31-01-19</a:t>
             </a:fld>
             <a:endParaRPr lang="en-US" dirty="0"/>
           </a:p>
@@ -5849,7 +5849,7 @@
           <a:p>
             <a:fld id="{D82014A1-A632-4878-A0D3-F52BA7563730}" type="datetimeFigureOut">
               <a:rPr lang="en-US" dirty="0"/>
-              <a:t>30-01-19</a:t>
+              <a:t>31-01-19</a:t>
             </a:fld>
             <a:endParaRPr lang="en-US" dirty="0"/>
           </a:p>
@@ -6101,7 +6101,7 @@
           <a:p>
             <a:fld id="{CE99F462-093F-4566-844B-4C71F2739DA5}" type="datetimeFigureOut">
               <a:rPr lang="en-US" dirty="0"/>
-              <a:t>30-01-19</a:t>
+              <a:t>31-01-19</a:t>
             </a:fld>
             <a:endParaRPr lang="en-US" dirty="0"/>
           </a:p>
@@ -6259,7 +6259,7 @@
           <a:p>
             <a:fld id="{3D24A7AC-904D-4781-85BA-7D10C17ED021}" type="datetimeFigureOut">
               <a:rPr lang="en-US" dirty="0"/>
-              <a:t>30-01-19</a:t>
+              <a:t>31-01-19</a:t>
             </a:fld>
             <a:endParaRPr lang="en-US" dirty="0"/>
           </a:p>
@@ -6644,7 +6644,7 @@
           <a:p>
             <a:fld id="{E331444B-B92B-4E27-8C94-BB93EAF5CB18}" type="datetimeFigureOut">
               <a:rPr lang="en-US" dirty="0"/>
-              <a:t>30-01-19</a:t>
+              <a:t>31-01-19</a:t>
             </a:fld>
             <a:endParaRPr lang="en-US" dirty="0"/>
           </a:p>
@@ -7048,7 +7048,7 @@
           <a:p>
             <a:fld id="{363EFA5E-FA76-400D-B3DC-F0BA90E6D107}" type="datetimeFigureOut">
               <a:rPr lang="en-US" dirty="0"/>
-              <a:t>30-01-19</a:t>
+              <a:t>31-01-19</a:t>
             </a:fld>
             <a:endParaRPr lang="en-US" dirty="0"/>
           </a:p>
@@ -7287,7 +7287,7 @@
           <a:p>
             <a:fld id="{9D6E9DEC-419B-4CC5-A080-3B06BD5A8291}" type="datetimeFigureOut">
               <a:rPr lang="en-US" dirty="0"/>
-              <a:t>30-01-19</a:t>
+              <a:t>31-01-19</a:t>
             </a:fld>
             <a:endParaRPr lang="en-US" dirty="0"/>
           </a:p>
@@ -7741,12 +7741,27 @@
         </p:nvSpPr>
         <p:spPr/>
         <p:txBody>
-          <a:bodyPr/>
+          <a:bodyPr>
+            <a:normAutofit fontScale="92500" lnSpcReduction="20000"/>
+          </a:bodyPr>
           <a:lstStyle/>
           <a:p>
             <a:r>
               <a:rPr lang="en-US" dirty="0"/>
-              <a:t>Description</a:t>
+              <a:t>Software Architecture Specification 2019-01-31</a:t>
+            </a:r>
+            <a:br>
+              <a:rPr lang="en-US" dirty="0"/>
+            </a:br>
+            <a:endParaRPr lang="en-US" dirty="0"/>
+          </a:p>
+          <a:p>
+            <a:br>
+              <a:rPr lang="en-US" dirty="0"/>
+            </a:br>
+            <a:r>
+              <a:rPr lang="en-US" dirty="0"/>
+              <a:t>Dimitri DeFigueiredo Ph.D.</a:t>
             </a:r>
           </a:p>
         </p:txBody>

--- a/doc/mirroring-strategy-2.pptx
+++ b/doc/mirroring-strategy-2.pptx
@@ -420,7 +420,7 @@
           <a:p>
             <a:fld id="{78ABE3C1-DBE1-495D-B57B-2849774B866A}" type="datetimeFigureOut">
               <a:rPr lang="en-US" dirty="0"/>
-              <a:t>31-01-19</a:t>
+              <a:t>01-02-19</a:t>
             </a:fld>
             <a:endParaRPr lang="en-US" dirty="0"/>
           </a:p>
@@ -829,7 +829,7 @@
           <a:p>
             <a:fld id="{446C117F-5CCF-4837-BE5F-2B92066CAFAF}" type="datetimeFigureOut">
               <a:rPr lang="en-US" dirty="0"/>
-              <a:t>31-01-19</a:t>
+              <a:t>01-02-19</a:t>
             </a:fld>
             <a:endParaRPr lang="en-US" dirty="0"/>
           </a:p>
@@ -1160,7 +1160,7 @@
           <a:p>
             <a:fld id="{84EB90BD-B6CE-46B7-997F-7313B992CCDC}" type="datetimeFigureOut">
               <a:rPr lang="en-US" dirty="0"/>
-              <a:t>31-01-19</a:t>
+              <a:t>01-02-19</a:t>
             </a:fld>
             <a:endParaRPr lang="en-US" dirty="0"/>
           </a:p>
@@ -1560,7 +1560,7 @@
           <a:p>
             <a:fld id="{CDB9D11F-B188-461D-B23F-39381795C052}" type="datetimeFigureOut">
               <a:rPr lang="en-US" dirty="0"/>
-              <a:t>31-01-19</a:t>
+              <a:t>01-02-19</a:t>
             </a:fld>
             <a:endParaRPr lang="en-US" dirty="0"/>
           </a:p>
@@ -2123,7 +2123,7 @@
           <a:p>
             <a:fld id="{52E6D8D9-55A2-4063-B0F3-121F44549695}" type="datetimeFigureOut">
               <a:rPr lang="en-US" dirty="0"/>
-              <a:t>31-01-19</a:t>
+              <a:t>01-02-19</a:t>
             </a:fld>
             <a:endParaRPr lang="en-US" dirty="0"/>
           </a:p>
@@ -2799,7 +2799,7 @@
           <a:p>
             <a:fld id="{D4B24536-994D-4021-A283-9F449C0DB509}" type="datetimeFigureOut">
               <a:rPr lang="en-US" dirty="0"/>
-              <a:t>31-01-19</a:t>
+              <a:t>01-02-19</a:t>
             </a:fld>
             <a:endParaRPr lang="en-US" dirty="0"/>
           </a:p>
@@ -3707,7 +3707,7 @@
           <a:p>
             <a:fld id="{3CBBBB78-C96F-47B7-AB17-D852CA960AC9}" type="datetimeFigureOut">
               <a:rPr lang="en-US" dirty="0"/>
-              <a:t>31-01-19</a:t>
+              <a:t>01-02-19</a:t>
             </a:fld>
             <a:endParaRPr lang="en-US" dirty="0"/>
           </a:p>
@@ -4015,7 +4015,7 @@
           <a:p>
             <a:fld id="{1FA3F48C-C7C6-4055-9F49-3777875E72AE}" type="datetimeFigureOut">
               <a:rPr lang="en-US" dirty="0"/>
-              <a:t>31-01-19</a:t>
+              <a:t>01-02-19</a:t>
             </a:fld>
             <a:endParaRPr lang="en-US" dirty="0"/>
           </a:p>
@@ -4274,7 +4274,7 @@
           <a:p>
             <a:fld id="{6178E61D-D431-422C-9764-11DAFE33AB63}" type="datetimeFigureOut">
               <a:rPr lang="en-US" dirty="0"/>
-              <a:t>31-01-19</a:t>
+              <a:t>01-02-19</a:t>
             </a:fld>
             <a:endParaRPr lang="en-US" dirty="0"/>
           </a:p>
@@ -4593,7 +4593,7 @@
           <a:p>
             <a:fld id="{12DE42F4-6EEF-4EF7-8ED4-2208F0F89A08}" type="datetimeFigureOut">
               <a:rPr lang="en-US" dirty="0"/>
-              <a:t>31-01-19</a:t>
+              <a:t>01-02-19</a:t>
             </a:fld>
             <a:endParaRPr lang="en-US" dirty="0"/>
           </a:p>
@@ -4977,7 +4977,7 @@
           <a:p>
             <a:fld id="{30578ACC-22D6-47C1-A373-4FD133E34F3C}" type="datetimeFigureOut">
               <a:rPr lang="en-US" dirty="0"/>
-              <a:t>31-01-19</a:t>
+              <a:t>01-02-19</a:t>
             </a:fld>
             <a:endParaRPr lang="en-US" dirty="0"/>
           </a:p>
@@ -5348,7 +5348,7 @@
           <a:p>
             <a:fld id="{4E5A6C69-6797-4E8A-BF37-F2C3751466E9}" type="datetimeFigureOut">
               <a:rPr lang="en-US" dirty="0"/>
-              <a:t>31-01-19</a:t>
+              <a:t>01-02-19</a:t>
             </a:fld>
             <a:endParaRPr lang="en-US" dirty="0"/>
           </a:p>
@@ -5849,7 +5849,7 @@
           <a:p>
             <a:fld id="{D82014A1-A632-4878-A0D3-F52BA7563730}" type="datetimeFigureOut">
               <a:rPr lang="en-US" dirty="0"/>
-              <a:t>31-01-19</a:t>
+              <a:t>01-02-19</a:t>
             </a:fld>
             <a:endParaRPr lang="en-US" dirty="0"/>
           </a:p>
@@ -6101,7 +6101,7 @@
           <a:p>
             <a:fld id="{CE99F462-093F-4566-844B-4C71F2739DA5}" type="datetimeFigureOut">
               <a:rPr lang="en-US" dirty="0"/>
-              <a:t>31-01-19</a:t>
+              <a:t>01-02-19</a:t>
             </a:fld>
             <a:endParaRPr lang="en-US" dirty="0"/>
           </a:p>
@@ -6259,7 +6259,7 @@
           <a:p>
             <a:fld id="{3D24A7AC-904D-4781-85BA-7D10C17ED021}" type="datetimeFigureOut">
               <a:rPr lang="en-US" dirty="0"/>
-              <a:t>31-01-19</a:t>
+              <a:t>01-02-19</a:t>
             </a:fld>
             <a:endParaRPr lang="en-US" dirty="0"/>
           </a:p>
@@ -6644,7 +6644,7 @@
           <a:p>
             <a:fld id="{E331444B-B92B-4E27-8C94-BB93EAF5CB18}" type="datetimeFigureOut">
               <a:rPr lang="en-US" dirty="0"/>
-              <a:t>31-01-19</a:t>
+              <a:t>01-02-19</a:t>
             </a:fld>
             <a:endParaRPr lang="en-US" dirty="0"/>
           </a:p>
@@ -7048,7 +7048,7 @@
           <a:p>
             <a:fld id="{363EFA5E-FA76-400D-B3DC-F0BA90E6D107}" type="datetimeFigureOut">
               <a:rPr lang="en-US" dirty="0"/>
-              <a:t>31-01-19</a:t>
+              <a:t>01-02-19</a:t>
             </a:fld>
             <a:endParaRPr lang="en-US" dirty="0"/>
           </a:p>
@@ -7287,7 +7287,7 @@
           <a:p>
             <a:fld id="{9D6E9DEC-419B-4CC5-A080-3B06BD5A8291}" type="datetimeFigureOut">
               <a:rPr lang="en-US" dirty="0"/>
-              <a:t>31-01-19</a:t>
+              <a:t>01-02-19</a:t>
             </a:fld>
             <a:endParaRPr lang="en-US" dirty="0"/>
           </a:p>
@@ -15171,7 +15171,7 @@
         </p:nvSpPr>
         <p:spPr>
           <a:xfrm>
-            <a:off x="6616311" y="4123429"/>
+            <a:off x="9061800" y="4123429"/>
             <a:ext cx="223283" cy="233916"/>
           </a:xfrm>
           <a:prstGeom prst="ellipse">
@@ -15217,7 +15217,7 @@
         </p:nvSpPr>
         <p:spPr>
           <a:xfrm>
-            <a:off x="7502358" y="4123429"/>
+            <a:off x="9947847" y="4123429"/>
             <a:ext cx="223283" cy="233916"/>
           </a:xfrm>
           <a:prstGeom prst="ellipse">
@@ -15263,7 +15263,7 @@
         </p:nvSpPr>
         <p:spPr>
           <a:xfrm>
-            <a:off x="7045006" y="4859528"/>
+            <a:off x="9490495" y="4859528"/>
             <a:ext cx="1361270" cy="369332"/>
           </a:xfrm>
           <a:prstGeom prst="rect">
@@ -15305,7 +15305,7 @@
         </p:nvCxnSpPr>
         <p:spPr>
           <a:xfrm flipV="1">
-            <a:off x="7614000" y="4357345"/>
+            <a:off x="10059489" y="4357345"/>
             <a:ext cx="0" cy="425983"/>
           </a:xfrm>
           <a:prstGeom prst="straightConnector1">
@@ -15347,7 +15347,7 @@
         </p:nvCxnSpPr>
         <p:spPr>
           <a:xfrm flipV="1">
-            <a:off x="6724410" y="4357345"/>
+            <a:off x="9169899" y="4357345"/>
             <a:ext cx="3543" cy="432882"/>
           </a:xfrm>
           <a:prstGeom prst="straightConnector1">
@@ -15386,7 +15386,7 @@
         </p:nvSpPr>
         <p:spPr>
           <a:xfrm>
-            <a:off x="6315304" y="4123429"/>
+            <a:off x="8760793" y="4123429"/>
             <a:ext cx="223283" cy="233916"/>
           </a:xfrm>
           <a:prstGeom prst="ellipse">
@@ -15432,7 +15432,7 @@
         </p:nvSpPr>
         <p:spPr>
           <a:xfrm>
-            <a:off x="7206759" y="4130326"/>
+            <a:off x="9652248" y="4130326"/>
             <a:ext cx="223283" cy="233916"/>
           </a:xfrm>
           <a:prstGeom prst="ellipse">
@@ -15478,7 +15478,7 @@
         </p:nvSpPr>
         <p:spPr>
           <a:xfrm>
-            <a:off x="5893729" y="4859528"/>
+            <a:off x="8339218" y="4859528"/>
             <a:ext cx="1151277" cy="369332"/>
           </a:xfrm>
           <a:prstGeom prst="rect">
@@ -15519,7 +15519,7 @@
         </p:nvCxnSpPr>
         <p:spPr>
           <a:xfrm flipV="1">
-            <a:off x="6428468" y="4364242"/>
+            <a:off x="8873957" y="4364242"/>
             <a:ext cx="3543" cy="432882"/>
           </a:xfrm>
           <a:prstGeom prst="straightConnector1">
@@ -15561,8 +15561,221 @@
         </p:nvCxnSpPr>
         <p:spPr>
           <a:xfrm flipV="1">
-            <a:off x="7310206" y="4364242"/>
+            <a:off x="9755695" y="4364242"/>
             <a:ext cx="8195" cy="432882"/>
+          </a:xfrm>
+          <a:prstGeom prst="straightConnector1">
+            <a:avLst/>
+          </a:prstGeom>
+          <a:ln w="19050">
+            <a:tailEnd type="triangle" w="med" len="lg"/>
+          </a:ln>
+        </p:spPr>
+        <p:style>
+          <a:lnRef idx="1">
+            <a:schemeClr val="dk1"/>
+          </a:lnRef>
+          <a:fillRef idx="0">
+            <a:schemeClr val="dk1"/>
+          </a:fillRef>
+          <a:effectRef idx="0">
+            <a:schemeClr val="dk1"/>
+          </a:effectRef>
+          <a:fontRef idx="minor">
+            <a:schemeClr val="tx1"/>
+          </a:fontRef>
+        </p:style>
+      </p:cxnSp>
+      <p:sp>
+        <p:nvSpPr>
+          <p:cNvPr id="36" name="Oval 35">
+            <a:extLst>
+              <a:ext uri="{FF2B5EF4-FFF2-40B4-BE49-F238E27FC236}">
+                <a16:creationId xmlns:a16="http://schemas.microsoft.com/office/drawing/2014/main" id="{4E1CA71F-EA11-4D1B-B109-37796F81DEE6}"/>
+              </a:ext>
+            </a:extLst>
+          </p:cNvPr>
+          <p:cNvSpPr/>
+          <p:nvPr/>
+        </p:nvSpPr>
+        <p:spPr>
+          <a:xfrm>
+            <a:off x="6906701" y="4115514"/>
+            <a:ext cx="223283" cy="233916"/>
+          </a:xfrm>
+          <a:prstGeom prst="ellipse">
+            <a:avLst/>
+          </a:prstGeom>
+        </p:spPr>
+        <p:style>
+          <a:lnRef idx="2">
+            <a:schemeClr val="dk1">
+              <a:shade val="50000"/>
+            </a:schemeClr>
+          </a:lnRef>
+          <a:fillRef idx="1">
+            <a:schemeClr val="dk1"/>
+          </a:fillRef>
+          <a:effectRef idx="0">
+            <a:schemeClr val="dk1"/>
+          </a:effectRef>
+          <a:fontRef idx="minor">
+            <a:schemeClr val="lt1"/>
+          </a:fontRef>
+        </p:style>
+        <p:txBody>
+          <a:bodyPr rtlCol="0" anchor="ctr"/>
+          <a:lstStyle/>
+          <a:p>
+            <a:pPr algn="ctr"/>
+            <a:endParaRPr lang="en-US"/>
+          </a:p>
+        </p:txBody>
+      </p:sp>
+      <p:sp>
+        <p:nvSpPr>
+          <p:cNvPr id="37" name="Oval 36">
+            <a:extLst>
+              <a:ext uri="{FF2B5EF4-FFF2-40B4-BE49-F238E27FC236}">
+                <a16:creationId xmlns:a16="http://schemas.microsoft.com/office/drawing/2014/main" id="{6119588E-98DC-43C5-9652-473D45B77620}"/>
+              </a:ext>
+            </a:extLst>
+          </p:cNvPr>
+          <p:cNvSpPr/>
+          <p:nvPr/>
+        </p:nvSpPr>
+        <p:spPr>
+          <a:xfrm>
+            <a:off x="6611477" y="4116831"/>
+            <a:ext cx="223283" cy="233916"/>
+          </a:xfrm>
+          <a:prstGeom prst="ellipse">
+            <a:avLst/>
+          </a:prstGeom>
+        </p:spPr>
+        <p:style>
+          <a:lnRef idx="2">
+            <a:schemeClr val="dk1">
+              <a:shade val="50000"/>
+            </a:schemeClr>
+          </a:lnRef>
+          <a:fillRef idx="1">
+            <a:schemeClr val="dk1"/>
+          </a:fillRef>
+          <a:effectRef idx="0">
+            <a:schemeClr val="dk1"/>
+          </a:effectRef>
+          <a:fontRef idx="minor">
+            <a:schemeClr val="lt1"/>
+          </a:fontRef>
+        </p:style>
+        <p:txBody>
+          <a:bodyPr rtlCol="0" anchor="ctr"/>
+          <a:lstStyle/>
+          <a:p>
+            <a:pPr algn="ctr"/>
+            <a:endParaRPr lang="en-US"/>
+          </a:p>
+        </p:txBody>
+      </p:sp>
+      <p:sp>
+        <p:nvSpPr>
+          <p:cNvPr id="38" name="Rectangle 37">
+            <a:extLst>
+              <a:ext uri="{FF2B5EF4-FFF2-40B4-BE49-F238E27FC236}">
+                <a16:creationId xmlns:a16="http://schemas.microsoft.com/office/drawing/2014/main" id="{5DDAE84E-0E92-4835-A0E5-193108358D28}"/>
+              </a:ext>
+            </a:extLst>
+          </p:cNvPr>
+          <p:cNvSpPr/>
+          <p:nvPr/>
+        </p:nvSpPr>
+        <p:spPr>
+          <a:xfrm>
+            <a:off x="6331062" y="4859528"/>
+            <a:ext cx="1951175" cy="369332"/>
+          </a:xfrm>
+          <a:prstGeom prst="rect">
+            <a:avLst/>
+          </a:prstGeom>
+        </p:spPr>
+        <p:txBody>
+          <a:bodyPr wrap="none">
+            <a:spAutoFit/>
+          </a:bodyPr>
+          <a:lstStyle/>
+          <a:p>
+            <a:r>
+              <a:rPr lang="en-US" b="1" dirty="0" err="1">
+                <a:solidFill>
+                  <a:sysClr val="windowText" lastClr="000000"/>
+                </a:solidFill>
+              </a:rPr>
+              <a:t>OrderPlacement</a:t>
+            </a:r>
+            <a:endParaRPr lang="en-US" dirty="0"/>
+          </a:p>
+        </p:txBody>
+      </p:sp>
+      <p:cxnSp>
+        <p:nvCxnSpPr>
+          <p:cNvPr id="43" name="Straight Arrow Connector 42">
+            <a:extLst>
+              <a:ext uri="{FF2B5EF4-FFF2-40B4-BE49-F238E27FC236}">
+                <a16:creationId xmlns:a16="http://schemas.microsoft.com/office/drawing/2014/main" id="{477733E8-4E63-467D-A37B-29BD8C27D2EC}"/>
+              </a:ext>
+            </a:extLst>
+          </p:cNvPr>
+          <p:cNvCxnSpPr>
+            <a:cxnSpLocks/>
+          </p:cNvCxnSpPr>
+          <p:nvPr/>
+        </p:nvCxnSpPr>
+        <p:spPr>
+          <a:xfrm flipV="1">
+            <a:off x="7014971" y="4350448"/>
+            <a:ext cx="3543" cy="432882"/>
+          </a:xfrm>
+          <a:prstGeom prst="straightConnector1">
+            <a:avLst/>
+          </a:prstGeom>
+          <a:ln w="19050">
+            <a:tailEnd type="triangle" w="med" len="lg"/>
+          </a:ln>
+        </p:spPr>
+        <p:style>
+          <a:lnRef idx="1">
+            <a:schemeClr val="dk1"/>
+          </a:lnRef>
+          <a:fillRef idx="0">
+            <a:schemeClr val="dk1"/>
+          </a:fillRef>
+          <a:effectRef idx="0">
+            <a:schemeClr val="dk1"/>
+          </a:effectRef>
+          <a:fontRef idx="minor">
+            <a:schemeClr val="tx1"/>
+          </a:fontRef>
+        </p:style>
+      </p:cxnSp>
+      <p:cxnSp>
+        <p:nvCxnSpPr>
+          <p:cNvPr id="44" name="Straight Arrow Connector 43">
+            <a:extLst>
+              <a:ext uri="{FF2B5EF4-FFF2-40B4-BE49-F238E27FC236}">
+                <a16:creationId xmlns:a16="http://schemas.microsoft.com/office/drawing/2014/main" id="{9A08FD09-5900-4DB0-8162-8B6486D47E1B}"/>
+              </a:ext>
+            </a:extLst>
+          </p:cNvPr>
+          <p:cNvCxnSpPr>
+            <a:cxnSpLocks/>
+          </p:cNvCxnSpPr>
+          <p:nvPr/>
+        </p:nvCxnSpPr>
+        <p:spPr>
+          <a:xfrm flipV="1">
+            <a:off x="6719029" y="4357345"/>
+            <a:ext cx="3543" cy="432882"/>
           </a:xfrm>
           <a:prstGeom prst="straightConnector1">
             <a:avLst/>
@@ -16310,10 +16523,10 @@
       </p:sp>
       <p:sp>
         <p:nvSpPr>
-          <p:cNvPr id="18" name="Oval 17">
-            <a:extLst>
-              <a:ext uri="{FF2B5EF4-FFF2-40B4-BE49-F238E27FC236}">
-                <a16:creationId xmlns:a16="http://schemas.microsoft.com/office/drawing/2014/main" id="{E672B400-48FA-4BCF-BDAC-6062A92345B1}"/>
+          <p:cNvPr id="36" name="Oval 35">
+            <a:extLst>
+              <a:ext uri="{FF2B5EF4-FFF2-40B4-BE49-F238E27FC236}">
+                <a16:creationId xmlns:a16="http://schemas.microsoft.com/office/drawing/2014/main" id="{50D918FE-6CC8-4DF3-A6CD-07431A67E97A}"/>
               </a:ext>
             </a:extLst>
           </p:cNvPr>
@@ -16322,7 +16535,7 @@
         </p:nvSpPr>
         <p:spPr>
           <a:xfrm>
-            <a:off x="6616311" y="4123429"/>
+            <a:off x="9061800" y="4123429"/>
             <a:ext cx="223283" cy="233916"/>
           </a:xfrm>
           <a:prstGeom prst="ellipse">
@@ -16356,10 +16569,10 @@
       </p:sp>
       <p:sp>
         <p:nvSpPr>
-          <p:cNvPr id="21" name="Oval 20">
-            <a:extLst>
-              <a:ext uri="{FF2B5EF4-FFF2-40B4-BE49-F238E27FC236}">
-                <a16:creationId xmlns:a16="http://schemas.microsoft.com/office/drawing/2014/main" id="{34443849-3F57-4208-86C2-2E79844E852F}"/>
+          <p:cNvPr id="37" name="Oval 36">
+            <a:extLst>
+              <a:ext uri="{FF2B5EF4-FFF2-40B4-BE49-F238E27FC236}">
+                <a16:creationId xmlns:a16="http://schemas.microsoft.com/office/drawing/2014/main" id="{0160F16F-F750-47F6-8DA9-C6402DBE566B}"/>
               </a:ext>
             </a:extLst>
           </p:cNvPr>
@@ -16368,7 +16581,7 @@
         </p:nvSpPr>
         <p:spPr>
           <a:xfrm>
-            <a:off x="7502358" y="4123429"/>
+            <a:off x="9947847" y="4123429"/>
             <a:ext cx="223283" cy="233916"/>
           </a:xfrm>
           <a:prstGeom prst="ellipse">
@@ -16402,10 +16615,10 @@
       </p:sp>
       <p:sp>
         <p:nvSpPr>
-          <p:cNvPr id="24" name="Rectangle 23">
-            <a:extLst>
-              <a:ext uri="{FF2B5EF4-FFF2-40B4-BE49-F238E27FC236}">
-                <a16:creationId xmlns:a16="http://schemas.microsoft.com/office/drawing/2014/main" id="{EB8DB2B8-4032-405F-A06F-6491E034339E}"/>
+          <p:cNvPr id="38" name="Rectangle 37">
+            <a:extLst>
+              <a:ext uri="{FF2B5EF4-FFF2-40B4-BE49-F238E27FC236}">
+                <a16:creationId xmlns:a16="http://schemas.microsoft.com/office/drawing/2014/main" id="{290BB675-C024-4671-B574-B143E69DA8C8}"/>
               </a:ext>
             </a:extLst>
           </p:cNvPr>
@@ -16414,7 +16627,7 @@
         </p:nvSpPr>
         <p:spPr>
           <a:xfrm>
-            <a:off x="7045006" y="4859528"/>
+            <a:off x="9490495" y="4859528"/>
             <a:ext cx="1361270" cy="369332"/>
           </a:xfrm>
           <a:prstGeom prst="rect">
@@ -16441,22 +16654,22 @@
       </p:sp>
       <p:cxnSp>
         <p:nvCxnSpPr>
-          <p:cNvPr id="27" name="Straight Arrow Connector 26">
-            <a:extLst>
-              <a:ext uri="{FF2B5EF4-FFF2-40B4-BE49-F238E27FC236}">
-                <a16:creationId xmlns:a16="http://schemas.microsoft.com/office/drawing/2014/main" id="{10C990A9-1763-4F6C-BB37-0BEC18249AA9}"/>
+          <p:cNvPr id="43" name="Straight Arrow Connector 42">
+            <a:extLst>
+              <a:ext uri="{FF2B5EF4-FFF2-40B4-BE49-F238E27FC236}">
+                <a16:creationId xmlns:a16="http://schemas.microsoft.com/office/drawing/2014/main" id="{1AB21B08-427B-4348-ADF5-C8D29C9D02B6}"/>
               </a:ext>
             </a:extLst>
           </p:cNvPr>
           <p:cNvCxnSpPr>
             <a:cxnSpLocks/>
-            <a:endCxn id="21" idx="4"/>
+            <a:endCxn id="37" idx="4"/>
           </p:cNvCxnSpPr>
           <p:nvPr/>
         </p:nvCxnSpPr>
         <p:spPr>
           <a:xfrm flipV="1">
-            <a:off x="7614000" y="4357345"/>
+            <a:off x="10059489" y="4357345"/>
             <a:ext cx="0" cy="425983"/>
           </a:xfrm>
           <a:prstGeom prst="straightConnector1">
@@ -16483,22 +16696,22 @@
       </p:cxnSp>
       <p:cxnSp>
         <p:nvCxnSpPr>
-          <p:cNvPr id="28" name="Straight Arrow Connector 27">
-            <a:extLst>
-              <a:ext uri="{FF2B5EF4-FFF2-40B4-BE49-F238E27FC236}">
-                <a16:creationId xmlns:a16="http://schemas.microsoft.com/office/drawing/2014/main" id="{D2464EA6-80B5-4F3B-9FEA-AC34682AFF5A}"/>
+          <p:cNvPr id="44" name="Straight Arrow Connector 43">
+            <a:extLst>
+              <a:ext uri="{FF2B5EF4-FFF2-40B4-BE49-F238E27FC236}">
+                <a16:creationId xmlns:a16="http://schemas.microsoft.com/office/drawing/2014/main" id="{9979EBBC-5DB3-4080-8C4E-5E559EB0A382}"/>
               </a:ext>
             </a:extLst>
           </p:cNvPr>
           <p:cNvCxnSpPr>
             <a:cxnSpLocks/>
-            <a:endCxn id="18" idx="4"/>
+            <a:endCxn id="36" idx="4"/>
           </p:cNvCxnSpPr>
           <p:nvPr/>
         </p:nvCxnSpPr>
         <p:spPr>
           <a:xfrm flipV="1">
-            <a:off x="6724410" y="4357345"/>
+            <a:off x="9169899" y="4357345"/>
             <a:ext cx="3543" cy="432882"/>
           </a:xfrm>
           <a:prstGeom prst="straightConnector1">
@@ -16525,10 +16738,10 @@
       </p:cxnSp>
       <p:sp>
         <p:nvSpPr>
-          <p:cNvPr id="30" name="Oval 29">
-            <a:extLst>
-              <a:ext uri="{FF2B5EF4-FFF2-40B4-BE49-F238E27FC236}">
-                <a16:creationId xmlns:a16="http://schemas.microsoft.com/office/drawing/2014/main" id="{B7A2D632-B417-4415-A575-EFB340DA26B8}"/>
+          <p:cNvPr id="45" name="Oval 44">
+            <a:extLst>
+              <a:ext uri="{FF2B5EF4-FFF2-40B4-BE49-F238E27FC236}">
+                <a16:creationId xmlns:a16="http://schemas.microsoft.com/office/drawing/2014/main" id="{3845BE8E-BDAA-4153-A435-5E6747D93201}"/>
               </a:ext>
             </a:extLst>
           </p:cNvPr>
@@ -16537,7 +16750,7 @@
         </p:nvSpPr>
         <p:spPr>
           <a:xfrm>
-            <a:off x="6315304" y="4123429"/>
+            <a:off x="8760793" y="4123429"/>
             <a:ext cx="223283" cy="233916"/>
           </a:xfrm>
           <a:prstGeom prst="ellipse">
@@ -16571,10 +16784,10 @@
       </p:sp>
       <p:sp>
         <p:nvSpPr>
-          <p:cNvPr id="31" name="Oval 30">
-            <a:extLst>
-              <a:ext uri="{FF2B5EF4-FFF2-40B4-BE49-F238E27FC236}">
-                <a16:creationId xmlns:a16="http://schemas.microsoft.com/office/drawing/2014/main" id="{788BC309-4737-4556-90EE-03CF46078AF0}"/>
+          <p:cNvPr id="46" name="Oval 45">
+            <a:extLst>
+              <a:ext uri="{FF2B5EF4-FFF2-40B4-BE49-F238E27FC236}">
+                <a16:creationId xmlns:a16="http://schemas.microsoft.com/office/drawing/2014/main" id="{9B0F2A3E-236B-42A2-80C5-F0BC7E7F0D0E}"/>
               </a:ext>
             </a:extLst>
           </p:cNvPr>
@@ -16583,7 +16796,7 @@
         </p:nvSpPr>
         <p:spPr>
           <a:xfrm>
-            <a:off x="7206759" y="4130326"/>
+            <a:off x="9652248" y="4130326"/>
             <a:ext cx="223283" cy="233916"/>
           </a:xfrm>
           <a:prstGeom prst="ellipse">
@@ -16617,10 +16830,10 @@
       </p:sp>
       <p:sp>
         <p:nvSpPr>
-          <p:cNvPr id="33" name="Rectangle 32">
-            <a:extLst>
-              <a:ext uri="{FF2B5EF4-FFF2-40B4-BE49-F238E27FC236}">
-                <a16:creationId xmlns:a16="http://schemas.microsoft.com/office/drawing/2014/main" id="{CE67688C-EF07-4A59-A1BC-A0E7CA50B469}"/>
+          <p:cNvPr id="47" name="Rectangle 46">
+            <a:extLst>
+              <a:ext uri="{FF2B5EF4-FFF2-40B4-BE49-F238E27FC236}">
+                <a16:creationId xmlns:a16="http://schemas.microsoft.com/office/drawing/2014/main" id="{1A8A4B63-3142-4426-AD20-2FD41BB5252E}"/>
               </a:ext>
             </a:extLst>
           </p:cNvPr>
@@ -16629,7 +16842,7 @@
         </p:nvSpPr>
         <p:spPr>
           <a:xfrm>
-            <a:off x="5893729" y="4859528"/>
+            <a:off x="8339218" y="4859528"/>
             <a:ext cx="1151277" cy="369332"/>
           </a:xfrm>
           <a:prstGeom prst="rect">
@@ -16656,10 +16869,10 @@
       </p:sp>
       <p:cxnSp>
         <p:nvCxnSpPr>
-          <p:cNvPr id="34" name="Straight Arrow Connector 33">
-            <a:extLst>
-              <a:ext uri="{FF2B5EF4-FFF2-40B4-BE49-F238E27FC236}">
-                <a16:creationId xmlns:a16="http://schemas.microsoft.com/office/drawing/2014/main" id="{92FB6DC6-F3A1-4262-B971-7058D2148A7F}"/>
+          <p:cNvPr id="48" name="Straight Arrow Connector 47">
+            <a:extLst>
+              <a:ext uri="{FF2B5EF4-FFF2-40B4-BE49-F238E27FC236}">
+                <a16:creationId xmlns:a16="http://schemas.microsoft.com/office/drawing/2014/main" id="{7AE63E77-1FB4-468E-B283-BD33181CB496}"/>
               </a:ext>
             </a:extLst>
           </p:cNvPr>
@@ -16670,7 +16883,7 @@
         </p:nvCxnSpPr>
         <p:spPr>
           <a:xfrm flipV="1">
-            <a:off x="6428468" y="4364242"/>
+            <a:off x="8873957" y="4364242"/>
             <a:ext cx="3543" cy="432882"/>
           </a:xfrm>
           <a:prstGeom prst="straightConnector1">
@@ -16697,23 +16910,236 @@
       </p:cxnSp>
       <p:cxnSp>
         <p:nvCxnSpPr>
-          <p:cNvPr id="35" name="Straight Arrow Connector 34">
-            <a:extLst>
-              <a:ext uri="{FF2B5EF4-FFF2-40B4-BE49-F238E27FC236}">
-                <a16:creationId xmlns:a16="http://schemas.microsoft.com/office/drawing/2014/main" id="{05541004-DC17-45A4-B4A1-5FAF9DC1CD9E}"/>
+          <p:cNvPr id="49" name="Straight Arrow Connector 48">
+            <a:extLst>
+              <a:ext uri="{FF2B5EF4-FFF2-40B4-BE49-F238E27FC236}">
+                <a16:creationId xmlns:a16="http://schemas.microsoft.com/office/drawing/2014/main" id="{B5B20CC1-5238-4E11-84A2-B246A9440ACD}"/>
               </a:ext>
             </a:extLst>
           </p:cNvPr>
           <p:cNvCxnSpPr>
             <a:cxnSpLocks/>
-            <a:endCxn id="31" idx="4"/>
+            <a:endCxn id="46" idx="4"/>
           </p:cNvCxnSpPr>
           <p:nvPr/>
         </p:nvCxnSpPr>
         <p:spPr>
           <a:xfrm flipV="1">
-            <a:off x="7310206" y="4364242"/>
+            <a:off x="9755695" y="4364242"/>
             <a:ext cx="8195" cy="432882"/>
+          </a:xfrm>
+          <a:prstGeom prst="straightConnector1">
+            <a:avLst/>
+          </a:prstGeom>
+          <a:ln w="19050">
+            <a:tailEnd type="triangle" w="med" len="lg"/>
+          </a:ln>
+        </p:spPr>
+        <p:style>
+          <a:lnRef idx="1">
+            <a:schemeClr val="dk1"/>
+          </a:lnRef>
+          <a:fillRef idx="0">
+            <a:schemeClr val="dk1"/>
+          </a:fillRef>
+          <a:effectRef idx="0">
+            <a:schemeClr val="dk1"/>
+          </a:effectRef>
+          <a:fontRef idx="minor">
+            <a:schemeClr val="tx1"/>
+          </a:fontRef>
+        </p:style>
+      </p:cxnSp>
+      <p:sp>
+        <p:nvSpPr>
+          <p:cNvPr id="50" name="Oval 49">
+            <a:extLst>
+              <a:ext uri="{FF2B5EF4-FFF2-40B4-BE49-F238E27FC236}">
+                <a16:creationId xmlns:a16="http://schemas.microsoft.com/office/drawing/2014/main" id="{0F855A4E-2EFA-4324-AEDE-526063D0F41B}"/>
+              </a:ext>
+            </a:extLst>
+          </p:cNvPr>
+          <p:cNvSpPr/>
+          <p:nvPr/>
+        </p:nvSpPr>
+        <p:spPr>
+          <a:xfrm>
+            <a:off x="6906701" y="4115514"/>
+            <a:ext cx="223283" cy="233916"/>
+          </a:xfrm>
+          <a:prstGeom prst="ellipse">
+            <a:avLst/>
+          </a:prstGeom>
+        </p:spPr>
+        <p:style>
+          <a:lnRef idx="2">
+            <a:schemeClr val="dk1">
+              <a:shade val="50000"/>
+            </a:schemeClr>
+          </a:lnRef>
+          <a:fillRef idx="1">
+            <a:schemeClr val="dk1"/>
+          </a:fillRef>
+          <a:effectRef idx="0">
+            <a:schemeClr val="dk1"/>
+          </a:effectRef>
+          <a:fontRef idx="minor">
+            <a:schemeClr val="lt1"/>
+          </a:fontRef>
+        </p:style>
+        <p:txBody>
+          <a:bodyPr rtlCol="0" anchor="ctr"/>
+          <a:lstStyle/>
+          <a:p>
+            <a:pPr algn="ctr"/>
+            <a:endParaRPr lang="en-US"/>
+          </a:p>
+        </p:txBody>
+      </p:sp>
+      <p:sp>
+        <p:nvSpPr>
+          <p:cNvPr id="51" name="Oval 50">
+            <a:extLst>
+              <a:ext uri="{FF2B5EF4-FFF2-40B4-BE49-F238E27FC236}">
+                <a16:creationId xmlns:a16="http://schemas.microsoft.com/office/drawing/2014/main" id="{BCB0A8FC-CF43-4352-AD6C-38B4ED77CDD0}"/>
+              </a:ext>
+            </a:extLst>
+          </p:cNvPr>
+          <p:cNvSpPr/>
+          <p:nvPr/>
+        </p:nvSpPr>
+        <p:spPr>
+          <a:xfrm>
+            <a:off x="6611477" y="4116831"/>
+            <a:ext cx="223283" cy="233916"/>
+          </a:xfrm>
+          <a:prstGeom prst="ellipse">
+            <a:avLst/>
+          </a:prstGeom>
+        </p:spPr>
+        <p:style>
+          <a:lnRef idx="2">
+            <a:schemeClr val="dk1">
+              <a:shade val="50000"/>
+            </a:schemeClr>
+          </a:lnRef>
+          <a:fillRef idx="1">
+            <a:schemeClr val="dk1"/>
+          </a:fillRef>
+          <a:effectRef idx="0">
+            <a:schemeClr val="dk1"/>
+          </a:effectRef>
+          <a:fontRef idx="minor">
+            <a:schemeClr val="lt1"/>
+          </a:fontRef>
+        </p:style>
+        <p:txBody>
+          <a:bodyPr rtlCol="0" anchor="ctr"/>
+          <a:lstStyle/>
+          <a:p>
+            <a:pPr algn="ctr"/>
+            <a:endParaRPr lang="en-US"/>
+          </a:p>
+        </p:txBody>
+      </p:sp>
+      <p:sp>
+        <p:nvSpPr>
+          <p:cNvPr id="52" name="Rectangle 51">
+            <a:extLst>
+              <a:ext uri="{FF2B5EF4-FFF2-40B4-BE49-F238E27FC236}">
+                <a16:creationId xmlns:a16="http://schemas.microsoft.com/office/drawing/2014/main" id="{E39CF4A8-DF67-40EE-AF03-EB8D439CD87A}"/>
+              </a:ext>
+            </a:extLst>
+          </p:cNvPr>
+          <p:cNvSpPr/>
+          <p:nvPr/>
+        </p:nvSpPr>
+        <p:spPr>
+          <a:xfrm>
+            <a:off x="6331062" y="4859528"/>
+            <a:ext cx="1951175" cy="369332"/>
+          </a:xfrm>
+          <a:prstGeom prst="rect">
+            <a:avLst/>
+          </a:prstGeom>
+        </p:spPr>
+        <p:txBody>
+          <a:bodyPr wrap="none">
+            <a:spAutoFit/>
+          </a:bodyPr>
+          <a:lstStyle/>
+          <a:p>
+            <a:r>
+              <a:rPr lang="en-US" b="1" dirty="0" err="1">
+                <a:solidFill>
+                  <a:sysClr val="windowText" lastClr="000000"/>
+                </a:solidFill>
+              </a:rPr>
+              <a:t>OrderPlacement</a:t>
+            </a:r>
+            <a:endParaRPr lang="en-US" dirty="0"/>
+          </a:p>
+        </p:txBody>
+      </p:sp>
+      <p:cxnSp>
+        <p:nvCxnSpPr>
+          <p:cNvPr id="53" name="Straight Arrow Connector 52">
+            <a:extLst>
+              <a:ext uri="{FF2B5EF4-FFF2-40B4-BE49-F238E27FC236}">
+                <a16:creationId xmlns:a16="http://schemas.microsoft.com/office/drawing/2014/main" id="{23ADB6EB-D336-409C-BC96-42FAC0ADFDA8}"/>
+              </a:ext>
+            </a:extLst>
+          </p:cNvPr>
+          <p:cNvCxnSpPr>
+            <a:cxnSpLocks/>
+          </p:cNvCxnSpPr>
+          <p:nvPr/>
+        </p:nvCxnSpPr>
+        <p:spPr>
+          <a:xfrm flipV="1">
+            <a:off x="7014971" y="4350448"/>
+            <a:ext cx="3543" cy="432882"/>
+          </a:xfrm>
+          <a:prstGeom prst="straightConnector1">
+            <a:avLst/>
+          </a:prstGeom>
+          <a:ln w="19050">
+            <a:tailEnd type="triangle" w="med" len="lg"/>
+          </a:ln>
+        </p:spPr>
+        <p:style>
+          <a:lnRef idx="1">
+            <a:schemeClr val="dk1"/>
+          </a:lnRef>
+          <a:fillRef idx="0">
+            <a:schemeClr val="dk1"/>
+          </a:fillRef>
+          <a:effectRef idx="0">
+            <a:schemeClr val="dk1"/>
+          </a:effectRef>
+          <a:fontRef idx="minor">
+            <a:schemeClr val="tx1"/>
+          </a:fontRef>
+        </p:style>
+      </p:cxnSp>
+      <p:cxnSp>
+        <p:nvCxnSpPr>
+          <p:cNvPr id="54" name="Straight Arrow Connector 53">
+            <a:extLst>
+              <a:ext uri="{FF2B5EF4-FFF2-40B4-BE49-F238E27FC236}">
+                <a16:creationId xmlns:a16="http://schemas.microsoft.com/office/drawing/2014/main" id="{E4E1C67C-C710-4051-A06D-A41DE7A9FA40}"/>
+              </a:ext>
+            </a:extLst>
+          </p:cNvPr>
+          <p:cNvCxnSpPr>
+            <a:cxnSpLocks/>
+          </p:cNvCxnSpPr>
+          <p:nvPr/>
+        </p:nvCxnSpPr>
+        <p:spPr>
+          <a:xfrm flipV="1">
+            <a:off x="6719029" y="4357345"/>
+            <a:ext cx="3543" cy="432882"/>
           </a:xfrm>
           <a:prstGeom prst="straightConnector1">
             <a:avLst/>
@@ -21635,6 +22061,52 @@
           </a:fontRef>
         </p:style>
       </p:cxnSp>
+      <p:sp>
+        <p:nvSpPr>
+          <p:cNvPr id="29" name="Oval 28">
+            <a:extLst>
+              <a:ext uri="{FF2B5EF4-FFF2-40B4-BE49-F238E27FC236}">
+                <a16:creationId xmlns:a16="http://schemas.microsoft.com/office/drawing/2014/main" id="{E0E94349-90CA-4ABD-8A25-5494EE2FA9DB}"/>
+              </a:ext>
+            </a:extLst>
+          </p:cNvPr>
+          <p:cNvSpPr/>
+          <p:nvPr/>
+        </p:nvSpPr>
+        <p:spPr>
+          <a:xfrm>
+            <a:off x="10212317" y="4123429"/>
+            <a:ext cx="223283" cy="233916"/>
+          </a:xfrm>
+          <a:prstGeom prst="ellipse">
+            <a:avLst/>
+          </a:prstGeom>
+        </p:spPr>
+        <p:style>
+          <a:lnRef idx="2">
+            <a:schemeClr val="dk1">
+              <a:shade val="50000"/>
+            </a:schemeClr>
+          </a:lnRef>
+          <a:fillRef idx="1">
+            <a:schemeClr val="dk1"/>
+          </a:fillRef>
+          <a:effectRef idx="0">
+            <a:schemeClr val="dk1"/>
+          </a:effectRef>
+          <a:fontRef idx="minor">
+            <a:schemeClr val="lt1"/>
+          </a:fontRef>
+        </p:style>
+        <p:txBody>
+          <a:bodyPr rtlCol="0" anchor="ctr"/>
+          <a:lstStyle/>
+          <a:p>
+            <a:pPr algn="ctr"/>
+            <a:endParaRPr lang="en-US"/>
+          </a:p>
+        </p:txBody>
+      </p:sp>
     </p:spTree>
     <p:extLst>
       <p:ext uri="{BB962C8B-B14F-4D97-AF65-F5344CB8AC3E}">
@@ -22821,6 +23293,52 @@
           </a:fontRef>
         </p:style>
       </p:cxnSp>
+      <p:sp>
+        <p:nvSpPr>
+          <p:cNvPr id="29" name="Oval 28">
+            <a:extLst>
+              <a:ext uri="{FF2B5EF4-FFF2-40B4-BE49-F238E27FC236}">
+                <a16:creationId xmlns:a16="http://schemas.microsoft.com/office/drawing/2014/main" id="{22E41128-0F45-4A9F-A350-C24614CF9D10}"/>
+              </a:ext>
+            </a:extLst>
+          </p:cNvPr>
+          <p:cNvSpPr/>
+          <p:nvPr/>
+        </p:nvSpPr>
+        <p:spPr>
+          <a:xfrm>
+            <a:off x="10212317" y="4123429"/>
+            <a:ext cx="223283" cy="233916"/>
+          </a:xfrm>
+          <a:prstGeom prst="ellipse">
+            <a:avLst/>
+          </a:prstGeom>
+        </p:spPr>
+        <p:style>
+          <a:lnRef idx="2">
+            <a:schemeClr val="dk1">
+              <a:shade val="50000"/>
+            </a:schemeClr>
+          </a:lnRef>
+          <a:fillRef idx="1">
+            <a:schemeClr val="dk1"/>
+          </a:fillRef>
+          <a:effectRef idx="0">
+            <a:schemeClr val="dk1"/>
+          </a:effectRef>
+          <a:fontRef idx="minor">
+            <a:schemeClr val="lt1"/>
+          </a:fontRef>
+        </p:style>
+        <p:txBody>
+          <a:bodyPr rtlCol="0" anchor="ctr"/>
+          <a:lstStyle/>
+          <a:p>
+            <a:pPr algn="ctr"/>
+            <a:endParaRPr lang="en-US"/>
+          </a:p>
+        </p:txBody>
+      </p:sp>
     </p:spTree>
     <p:extLst>
       <p:ext uri="{BB962C8B-B14F-4D97-AF65-F5344CB8AC3E}">
